--- a/notebooks/software-support-metric2.pptx
+++ b/notebooks/software-support-metric2.pptx
@@ -23203,15 +23203,6 @@
 </file>
 
 <file path=customXml/item1.xml><?xml version="1.0" encoding="utf-8"?>
-<?mso-contentType ?>
-<FormTemplates xmlns="http://schemas.microsoft.com/sharepoint/v3/contenttype/forms">
-  <Display>DocumentLibraryForm</Display>
-  <Edit>DocumentLibraryForm</Edit>
-  <New>DocumentLibraryForm</New>
-</FormTemplates>
-</file>
-
-<file path=customXml/item2.xml><?xml version="1.0" encoding="utf-8"?>
 <ct:contentTypeSchema xmlns:ct="http://schemas.microsoft.com/office/2006/metadata/contentType" xmlns:ma="http://schemas.microsoft.com/office/2006/metadata/properties/metaAttributes" ct:_="" ma:_="" ma:contentTypeName="Document" ma:contentTypeID="0x010100085D35F6141B534892DDB72C1AF70815" ma:contentTypeVersion="3" ma:contentTypeDescription="Create a new document." ma:contentTypeScope="" ma:versionID="b659d664bf3ce40de54a2ffe6a34c0dd">
   <xsd:schema xmlns:xsd="http://www.w3.org/2001/XMLSchema" xmlns:xs="http://www.w3.org/2001/XMLSchema" xmlns:p="http://schemas.microsoft.com/office/2006/metadata/properties" xmlns:ns2="2ae71aaa-6310-4ecb-9baa-8d5cf672e3d2" targetNamespace="http://schemas.microsoft.com/office/2006/metadata/properties" ma:root="true" ma:fieldsID="87d9f9c2b21dd49a2636f8b6d55849ad" ns2:_="">
     <xsd:import namespace="2ae71aaa-6310-4ecb-9baa-8d5cf672e3d2"/>
@@ -23349,15 +23340,16 @@
 </ct:contentTypeSchema>
 </file>
 
-<file path=customXml/itemProps1.xml><?xml version="1.0" encoding="utf-8"?>
-<ds:datastoreItem xmlns:ds="http://schemas.openxmlformats.org/officeDocument/2006/customXml" ds:itemID="{CAABC409-4141-477E-8EF5-C08D310ABBC5}">
-  <ds:schemaRefs>
-    <ds:schemaRef ds:uri="http://schemas.microsoft.com/sharepoint/v3/contenttype/forms"/>
-  </ds:schemaRefs>
-</ds:datastoreItem>
+<file path=customXml/item2.xml><?xml version="1.0" encoding="utf-8"?>
+<?mso-contentType ?>
+<FormTemplates xmlns="http://schemas.microsoft.com/sharepoint/v3/contenttype/forms">
+  <Display>DocumentLibraryForm</Display>
+  <Edit>DocumentLibraryForm</Edit>
+  <New>DocumentLibraryForm</New>
+</FormTemplates>
 </file>
 
-<file path=customXml/itemProps2.xml><?xml version="1.0" encoding="utf-8"?>
+<file path=customXml/itemProps1.xml><?xml version="1.0" encoding="utf-8"?>
 <ds:datastoreItem xmlns:ds="http://schemas.openxmlformats.org/officeDocument/2006/customXml" ds:itemID="{BD5E0B4A-6262-452A-B0B9-4C3A8A4C81F3}">
   <ds:schemaRefs>
     <ds:schemaRef ds:uri="2ae71aaa-6310-4ecb-9baa-8d5cf672e3d2"/>
@@ -23373,4 +23365,12 @@
     <ds:schemaRef ds:uri="http://www.w3.org/2001/XMLSchema"/>
   </ds:schemaRefs>
 </ds:datastoreItem>
+</file>
+
+<file path=customXml/itemProps2.xml><?xml version="1.0" encoding="utf-8"?>
+<ds:datastoreItem xmlns:ds="http://schemas.openxmlformats.org/officeDocument/2006/customXml" ds:itemID="{CAABC409-4141-477E-8EF5-C08D310ABBC5}">
+  <ds:schemaRefs>
+    <ds:schemaRef ds:uri="http://schemas.microsoft.com/sharepoint/v3/contenttype/forms"/>
+  </ds:schemaRefs>
+</ds:datastoreItem>
 </file>